--- a/soft-skills--Presentation/Presentation about Presentation.pptx
+++ b/soft-skills--Presentation/Presentation about Presentation.pptx
@@ -4863,15 +4863,7 @@
                   <a:schemeClr val="tx1"/>
                 </a:solidFill>
               </a:rPr>
-              <a:t>Sub-item </a:t>
-            </a:r>
-            <a:r>
-              <a:rPr lang="en-US" sz="1600" dirty="0" smtClean="0">
-                <a:solidFill>
-                  <a:schemeClr val="tx1"/>
-                </a:solidFill>
-              </a:rPr>
-              <a:t>2.1</a:t>
+              <a:t>Sub-item 2.1</a:t>
             </a:r>
             <a:endParaRPr lang="en-GB" sz="1600" dirty="0" smtClean="0">
               <a:solidFill>
@@ -4931,15 +4923,7 @@
                   <a:schemeClr val="tx1"/>
                 </a:solidFill>
               </a:rPr>
-              <a:t>Sub-item </a:t>
-            </a:r>
-            <a:r>
-              <a:rPr lang="en-US" sz="1600" dirty="0" smtClean="0">
-                <a:solidFill>
-                  <a:schemeClr val="tx1"/>
-                </a:solidFill>
-              </a:rPr>
-              <a:t>3.1</a:t>
+              <a:t>Sub-item 3.1</a:t>
             </a:r>
             <a:endParaRPr lang="en-GB" sz="1600" dirty="0" smtClean="0">
               <a:solidFill>
@@ -4999,15 +4983,7 @@
                   <a:schemeClr val="tx1"/>
                 </a:solidFill>
               </a:rPr>
-              <a:t>Sub-item </a:t>
-            </a:r>
-            <a:r>
-              <a:rPr lang="en-US" sz="1600" dirty="0" smtClean="0">
-                <a:solidFill>
-                  <a:schemeClr val="tx1"/>
-                </a:solidFill>
-              </a:rPr>
-              <a:t>1.2</a:t>
+              <a:t>Sub-item 1.2</a:t>
             </a:r>
             <a:endParaRPr lang="en-GB" sz="1600" dirty="0" smtClean="0">
               <a:solidFill>
@@ -5067,15 +5043,7 @@
                   <a:schemeClr val="tx1"/>
                 </a:solidFill>
               </a:rPr>
-              <a:t>Sub-item </a:t>
-            </a:r>
-            <a:r>
-              <a:rPr lang="en-US" sz="1600" dirty="0" smtClean="0">
-                <a:solidFill>
-                  <a:schemeClr val="tx1"/>
-                </a:solidFill>
-              </a:rPr>
-              <a:t>2.2</a:t>
+              <a:t>Sub-item 2.2</a:t>
             </a:r>
             <a:endParaRPr lang="en-GB" sz="1600" dirty="0" smtClean="0">
               <a:solidFill>
@@ -5135,15 +5103,7 @@
                   <a:schemeClr val="tx1"/>
                 </a:solidFill>
               </a:rPr>
-              <a:t>Sub-item </a:t>
-            </a:r>
-            <a:r>
-              <a:rPr lang="en-US" sz="1600" dirty="0" smtClean="0">
-                <a:solidFill>
-                  <a:schemeClr val="tx1"/>
-                </a:solidFill>
-              </a:rPr>
-              <a:t>3.2</a:t>
+              <a:t>Sub-item 3.2</a:t>
             </a:r>
             <a:endParaRPr lang="en-GB" sz="1600" dirty="0" smtClean="0">
               <a:solidFill>
@@ -5203,15 +5163,7 @@
                   <a:schemeClr val="tx1"/>
                 </a:solidFill>
               </a:rPr>
-              <a:t>Sub-item </a:t>
-            </a:r>
-            <a:r>
-              <a:rPr lang="en-US" sz="1600" dirty="0" smtClean="0">
-                <a:solidFill>
-                  <a:schemeClr val="tx1"/>
-                </a:solidFill>
-              </a:rPr>
-              <a:t>1.3</a:t>
+              <a:t>Sub-item 1.3</a:t>
             </a:r>
             <a:endParaRPr lang="en-GB" sz="1600" dirty="0" smtClean="0">
               <a:solidFill>
@@ -5271,15 +5223,7 @@
                   <a:schemeClr val="tx1"/>
                 </a:solidFill>
               </a:rPr>
-              <a:t>Sub-item </a:t>
-            </a:r>
-            <a:r>
-              <a:rPr lang="en-US" sz="1600" dirty="0" smtClean="0">
-                <a:solidFill>
-                  <a:schemeClr val="tx1"/>
-                </a:solidFill>
-              </a:rPr>
-              <a:t>2.3</a:t>
+              <a:t>Sub-item 2.3</a:t>
             </a:r>
             <a:endParaRPr lang="en-GB" sz="1600" dirty="0" smtClean="0">
               <a:solidFill>
@@ -5339,15 +5283,7 @@
                   <a:schemeClr val="tx1"/>
                 </a:solidFill>
               </a:rPr>
-              <a:t>Sub-item </a:t>
-            </a:r>
-            <a:r>
-              <a:rPr lang="en-US" sz="1600" dirty="0" smtClean="0">
-                <a:solidFill>
-                  <a:schemeClr val="tx1"/>
-                </a:solidFill>
-              </a:rPr>
-              <a:t>3.3</a:t>
+              <a:t>Sub-item 3.3</a:t>
             </a:r>
             <a:endParaRPr lang="en-GB" sz="1600" dirty="0" smtClean="0">
               <a:solidFill>
@@ -6480,18 +6416,7 @@
                 <a:cs typeface="Arial" panose="020B0604020202020204" pitchFamily="34" charset="0"/>
                 <a:hlinkClick r:id="rId2"/>
               </a:rPr>
-              <a:t>http://www.hps-training.com/en</a:t>
-            </a:r>
-            <a:r>
-              <a:rPr lang="en-US" dirty="0" smtClean="0">
-                <a:solidFill>
-                  <a:srgbClr val="0070C0"/>
-                </a:solidFill>
-                <a:latin typeface="Arial" panose="020B0604020202020204" pitchFamily="34" charset="0"/>
-                <a:cs typeface="Arial" panose="020B0604020202020204" pitchFamily="34" charset="0"/>
-                <a:hlinkClick r:id="rId2"/>
-              </a:rPr>
-              <a:t>/</a:t>
+              <a:t>http://www.hps-training.com/en/</a:t>
             </a:r>
             <a:endParaRPr lang="en-US" dirty="0" smtClean="0">
               <a:solidFill>
@@ -8957,6 +8882,67 @@
           </a:fontRef>
         </p:style>
       </p:cxnSp>
+      <p:sp>
+        <p:nvSpPr>
+          <p:cNvPr id="25" name="Rounded Rectangle 24"/>
+          <p:cNvSpPr/>
+          <p:nvPr/>
+        </p:nvSpPr>
+        <p:spPr>
+          <a:xfrm>
+            <a:off x="6190928" y="2048947"/>
+            <a:ext cx="2664296" cy="1320417"/>
+          </a:xfrm>
+          <a:prstGeom prst="roundRect">
+            <a:avLst/>
+          </a:prstGeom>
+          <a:ln>
+            <a:noFill/>
+          </a:ln>
+        </p:spPr>
+        <p:style>
+          <a:lnRef idx="2">
+            <a:schemeClr val="accent1">
+              <a:shade val="50000"/>
+            </a:schemeClr>
+          </a:lnRef>
+          <a:fillRef idx="1">
+            <a:schemeClr val="accent1"/>
+          </a:fillRef>
+          <a:effectRef idx="0">
+            <a:schemeClr val="accent1"/>
+          </a:effectRef>
+          <a:fontRef idx="minor">
+            <a:schemeClr val="lt1"/>
+          </a:fontRef>
+        </p:style>
+        <p:txBody>
+          <a:bodyPr rtlCol="0" anchor="ctr"/>
+          <a:lstStyle/>
+          <a:p>
+            <a:pPr algn="ctr"/>
+            <a:r>
+              <a:rPr lang="en-US" sz="1600" dirty="0" smtClean="0"/>
+              <a:t>Decide: do you need an author’s page</a:t>
+            </a:r>
+          </a:p>
+          <a:p>
+            <a:pPr algn="ctr"/>
+            <a:r>
+              <a:rPr lang="en-US" sz="1600" dirty="0" smtClean="0"/>
+              <a:t>Clip-art or photo</a:t>
+            </a:r>
+          </a:p>
+          <a:p>
+            <a:pPr algn="ctr"/>
+            <a:r>
+              <a:rPr lang="en-US" sz="1600" dirty="0" smtClean="0"/>
+              <a:t>Charts etc</a:t>
+            </a:r>
+            <a:endParaRPr lang="en-GB" sz="1600" dirty="0"/>
+          </a:p>
+        </p:txBody>
+      </p:sp>
     </p:spTree>
   </p:cSld>
   <p:clrMapOvr>
